--- a/iTextTutorial/iText Tutorial.pptx
+++ b/iTextTutorial/iText Tutorial.pptx
@@ -7,16 +7,17 @@
   <p:sldIdLst>
     <p:sldId id="256" r:id="rId2"/>
     <p:sldId id="257" r:id="rId3"/>
-    <p:sldId id="258" r:id="rId4"/>
-    <p:sldId id="259" r:id="rId5"/>
-    <p:sldId id="260" r:id="rId6"/>
-    <p:sldId id="262" r:id="rId7"/>
-    <p:sldId id="261" r:id="rId8"/>
-    <p:sldId id="263" r:id="rId9"/>
-    <p:sldId id="264" r:id="rId10"/>
-    <p:sldId id="265" r:id="rId11"/>
-    <p:sldId id="266" r:id="rId12"/>
-    <p:sldId id="267" r:id="rId13"/>
+    <p:sldId id="268" r:id="rId4"/>
+    <p:sldId id="258" r:id="rId5"/>
+    <p:sldId id="259" r:id="rId6"/>
+    <p:sldId id="260" r:id="rId7"/>
+    <p:sldId id="262" r:id="rId8"/>
+    <p:sldId id="261" r:id="rId9"/>
+    <p:sldId id="263" r:id="rId10"/>
+    <p:sldId id="264" r:id="rId11"/>
+    <p:sldId id="265" r:id="rId12"/>
+    <p:sldId id="266" r:id="rId13"/>
+    <p:sldId id="267" r:id="rId14"/>
   </p:sldIdLst>
   <p:sldSz cx="9144000" cy="6858000" type="screen4x3"/>
   <p:notesSz cx="6858000" cy="9144000"/>
@@ -288,7 +289,7 @@
             <a:fld id="{1D8BD707-D9CF-40AE-B4C6-C98DA3205C09}" type="datetimeFigureOut">
               <a:rPr lang="en-US" smtClean="0"/>
               <a:pPr/>
-              <a:t>12/25/2013</a:t>
+              <a:t>12/26/2013</a:t>
             </a:fld>
             <a:endParaRPr lang="en-US"/>
           </a:p>
@@ -499,7 +500,7 @@
             <a:fld id="{1D8BD707-D9CF-40AE-B4C6-C98DA3205C09}" type="datetimeFigureOut">
               <a:rPr lang="en-US" smtClean="0"/>
               <a:pPr/>
-              <a:t>12/25/2013</a:t>
+              <a:t>12/26/2013</a:t>
             </a:fld>
             <a:endParaRPr lang="en-US"/>
           </a:p>
@@ -688,7 +689,7 @@
             <a:fld id="{1D8BD707-D9CF-40AE-B4C6-C98DA3205C09}" type="datetimeFigureOut">
               <a:rPr lang="en-US" smtClean="0"/>
               <a:pPr/>
-              <a:t>12/25/2013</a:t>
+              <a:t>12/26/2013</a:t>
             </a:fld>
             <a:endParaRPr lang="en-US"/>
           </a:p>
@@ -867,7 +868,7 @@
             <a:fld id="{1D8BD707-D9CF-40AE-B4C6-C98DA3205C09}" type="datetimeFigureOut">
               <a:rPr lang="en-US" smtClean="0"/>
               <a:pPr/>
-              <a:t>12/25/2013</a:t>
+              <a:t>12/26/2013</a:t>
             </a:fld>
             <a:endParaRPr lang="en-US"/>
           </a:p>
@@ -1100,7 +1101,7 @@
             <a:fld id="{1D8BD707-D9CF-40AE-B4C6-C98DA3205C09}" type="datetimeFigureOut">
               <a:rPr lang="en-US" smtClean="0"/>
               <a:pPr/>
-              <a:t>12/25/2013</a:t>
+              <a:t>12/26/2013</a:t>
             </a:fld>
             <a:endParaRPr lang="en-US"/>
           </a:p>
@@ -1397,7 +1398,7 @@
             <a:fld id="{1D8BD707-D9CF-40AE-B4C6-C98DA3205C09}" type="datetimeFigureOut">
               <a:rPr lang="en-US" smtClean="0"/>
               <a:pPr/>
-              <a:t>12/25/2013</a:t>
+              <a:t>12/26/2013</a:t>
             </a:fld>
             <a:endParaRPr lang="en-US"/>
           </a:p>
@@ -1833,7 +1834,7 @@
             <a:fld id="{1D8BD707-D9CF-40AE-B4C6-C98DA3205C09}" type="datetimeFigureOut">
               <a:rPr lang="en-US" smtClean="0"/>
               <a:pPr/>
-              <a:t>12/25/2013</a:t>
+              <a:t>12/26/2013</a:t>
             </a:fld>
             <a:endParaRPr lang="en-US"/>
           </a:p>
@@ -1960,7 +1961,7 @@
             <a:fld id="{1D8BD707-D9CF-40AE-B4C6-C98DA3205C09}" type="datetimeFigureOut">
               <a:rPr lang="en-US" smtClean="0"/>
               <a:pPr/>
-              <a:t>12/25/2013</a:t>
+              <a:t>12/26/2013</a:t>
             </a:fld>
             <a:endParaRPr lang="en-US"/>
           </a:p>
@@ -2064,7 +2065,7 @@
             <a:fld id="{1D8BD707-D9CF-40AE-B4C6-C98DA3205C09}" type="datetimeFigureOut">
               <a:rPr lang="en-US" smtClean="0"/>
               <a:pPr/>
-              <a:t>12/25/2013</a:t>
+              <a:t>12/26/2013</a:t>
             </a:fld>
             <a:endParaRPr lang="en-US"/>
           </a:p>
@@ -2350,7 +2351,7 @@
             <a:fld id="{1D8BD707-D9CF-40AE-B4C6-C98DA3205C09}" type="datetimeFigureOut">
               <a:rPr lang="en-US" smtClean="0"/>
               <a:pPr/>
-              <a:t>12/25/2013</a:t>
+              <a:t>12/26/2013</a:t>
             </a:fld>
             <a:endParaRPr lang="en-US"/>
           </a:p>
@@ -2616,7 +2617,7 @@
             <a:fld id="{1D8BD707-D9CF-40AE-B4C6-C98DA3205C09}" type="datetimeFigureOut">
               <a:rPr lang="en-US" smtClean="0"/>
               <a:pPr/>
-              <a:t>12/25/2013</a:t>
+              <a:t>12/26/2013</a:t>
             </a:fld>
             <a:endParaRPr lang="en-US"/>
           </a:p>
@@ -2862,7 +2863,7 @@
             <a:fld id="{1D8BD707-D9CF-40AE-B4C6-C98DA3205C09}" type="datetimeFigureOut">
               <a:rPr lang="en-US" smtClean="0"/>
               <a:pPr/>
-              <a:t>12/25/2013</a:t>
+              <a:t>12/26/2013</a:t>
             </a:fld>
             <a:endParaRPr lang="en-US"/>
           </a:p>
@@ -3547,6 +3548,103 @@
           <a:p>
             <a:r>
               <a:rPr lang="en-US" dirty="0" err="1" smtClean="0"/>
+              <a:t>PDFReader</a:t>
+            </a:r>
+            <a:endParaRPr lang="en-US" dirty="0"/>
+          </a:p>
+        </p:txBody>
+      </p:sp>
+      <p:sp>
+        <p:nvSpPr>
+          <p:cNvPr id="3" name="Content Placeholder 2"/>
+          <p:cNvSpPr>
+            <a:spLocks noGrp="1"/>
+          </p:cNvSpPr>
+          <p:nvPr>
+            <p:ph idx="1"/>
+          </p:nvPr>
+        </p:nvSpPr>
+        <p:spPr/>
+        <p:txBody>
+          <a:bodyPr/>
+          <a:lstStyle/>
+          <a:p>
+            <a:r>
+              <a:rPr lang="en-US" dirty="0" smtClean="0"/>
+              <a:t>Access a existing PDF</a:t>
+            </a:r>
+          </a:p>
+          <a:p>
+            <a:pPr lvl="1"/>
+            <a:r>
+              <a:rPr lang="en-US" dirty="0" smtClean="0">
+                <a:solidFill>
+                  <a:schemeClr val="accent6">
+                    <a:lumMod val="75000"/>
+                  </a:schemeClr>
+                </a:solidFill>
+              </a:rPr>
+              <a:t>T10_AccessPDF.java</a:t>
+            </a:r>
+            <a:endParaRPr lang="en-US" dirty="0">
+              <a:solidFill>
+                <a:schemeClr val="accent6">
+                  <a:lumMod val="75000"/>
+                </a:schemeClr>
+              </a:solidFill>
+            </a:endParaRPr>
+          </a:p>
+        </p:txBody>
+      </p:sp>
+    </p:spTree>
+  </p:cSld>
+  <p:clrMapOvr>
+    <a:masterClrMapping/>
+  </p:clrMapOvr>
+  <p:timing>
+    <p:tnLst>
+      <p:par>
+        <p:cTn id="1" dur="indefinite" restart="never" nodeType="tmRoot"/>
+      </p:par>
+    </p:tnLst>
+  </p:timing>
+</p:sld>
+</file>
+
+<file path=ppt/slides/slide11.xml><?xml version="1.0" encoding="utf-8"?>
+<p:sld xmlns:a="http://schemas.openxmlformats.org/drawingml/2006/main" xmlns:r="http://schemas.openxmlformats.org/officeDocument/2006/relationships" xmlns:p="http://schemas.openxmlformats.org/presentationml/2006/main">
+  <p:cSld>
+    <p:spTree>
+      <p:nvGrpSpPr>
+        <p:cNvPr id="1" name=""/>
+        <p:cNvGrpSpPr/>
+        <p:nvPr/>
+      </p:nvGrpSpPr>
+      <p:grpSpPr>
+        <a:xfrm>
+          <a:off x="0" y="0"/>
+          <a:ext cx="0" cy="0"/>
+          <a:chOff x="0" y="0"/>
+          <a:chExt cx="0" cy="0"/>
+        </a:xfrm>
+      </p:grpSpPr>
+      <p:sp>
+        <p:nvSpPr>
+          <p:cNvPr id="2" name="Title 1"/>
+          <p:cNvSpPr>
+            <a:spLocks noGrp="1"/>
+          </p:cNvSpPr>
+          <p:nvPr>
+            <p:ph type="title"/>
+          </p:nvPr>
+        </p:nvSpPr>
+        <p:spPr/>
+        <p:txBody>
+          <a:bodyPr/>
+          <a:lstStyle/>
+          <a:p>
+            <a:r>
+              <a:rPr lang="en-US" dirty="0" err="1" smtClean="0"/>
               <a:t>ColumnText</a:t>
             </a:r>
             <a:endParaRPr lang="en-US" dirty="0"/>
@@ -3710,7 +3808,7 @@
 </p:sld>
 </file>
 
-<file path=ppt/slides/slide11.xml><?xml version="1.0" encoding="utf-8"?>
+<file path=ppt/slides/slide12.xml><?xml version="1.0" encoding="utf-8"?>
 <p:sld xmlns:a="http://schemas.openxmlformats.org/drawingml/2006/main" xmlns:r="http://schemas.openxmlformats.org/officeDocument/2006/relationships" xmlns:p="http://schemas.openxmlformats.org/presentationml/2006/main">
   <p:cSld>
     <p:spTree>
@@ -3827,7 +3925,7 @@
 </p:sld>
 </file>
 
-<file path=ppt/slides/slide12.xml><?xml version="1.0" encoding="utf-8"?>
+<file path=ppt/slides/slide13.xml><?xml version="1.0" encoding="utf-8"?>
 <p:sld xmlns:a="http://schemas.openxmlformats.org/drawingml/2006/main" xmlns:r="http://schemas.openxmlformats.org/officeDocument/2006/relationships" xmlns:p="http://schemas.openxmlformats.org/presentationml/2006/main">
   <p:cSld>
     <p:spTree>
@@ -4039,7 +4137,7 @@
         <p:spPr/>
         <p:txBody>
           <a:bodyPr>
-            <a:normAutofit lnSpcReduction="10000"/>
+            <a:normAutofit/>
           </a:bodyPr>
           <a:lstStyle/>
           <a:p>
@@ -4099,64 +4197,13 @@
             <a:pPr lvl="1"/>
             <a:r>
               <a:rPr lang="en-US" dirty="0" smtClean="0"/>
-              <a:t>Commercial, AGPL</a:t>
-            </a:r>
-          </a:p>
-          <a:p>
-            <a:r>
-              <a:rPr lang="en-US" dirty="0"/>
-              <a:t>S</a:t>
+              <a:t>Commercial, </a:t>
             </a:r>
             <a:r>
               <a:rPr lang="en-US" dirty="0" smtClean="0"/>
-              <a:t>ource codes of this </a:t>
-            </a:r>
-            <a:r>
-              <a:rPr lang="en-US" dirty="0" smtClean="0"/>
-              <a:t>tutorial</a:t>
-            </a:r>
-          </a:p>
-          <a:p>
-            <a:pPr lvl="1"/>
-            <a:r>
-              <a:rPr lang="en-US" dirty="0" smtClean="0">
-                <a:solidFill>
-                  <a:schemeClr val="accent6">
-                    <a:lumMod val="75000"/>
-                  </a:schemeClr>
-                </a:solidFill>
-                <a:hlinkClick r:id="rId3"/>
-              </a:rPr>
-              <a:t>https://</a:t>
-            </a:r>
-            <a:r>
-              <a:rPr lang="en-US" dirty="0" smtClean="0">
-                <a:solidFill>
-                  <a:schemeClr val="accent6">
-                    <a:lumMod val="75000"/>
-                  </a:schemeClr>
-                </a:solidFill>
-                <a:hlinkClick r:id="rId3"/>
-              </a:rPr>
-              <a:t>github.com/RyanHuangPMA/iTextTutorial.git</a:t>
-            </a:r>
-            <a:r>
-              <a:rPr lang="en-US" dirty="0" smtClean="0">
-                <a:solidFill>
-                  <a:schemeClr val="accent6">
-                    <a:lumMod val="75000"/>
-                  </a:schemeClr>
-                </a:solidFill>
-              </a:rPr>
-              <a:t> </a:t>
-            </a:r>
-            <a:endParaRPr lang="en-US" dirty="0" smtClean="0">
-              <a:solidFill>
-                <a:schemeClr val="accent6">
-                  <a:lumMod val="75000"/>
-                </a:schemeClr>
-              </a:solidFill>
-            </a:endParaRPr>
+              <a:t>AGPL</a:t>
+            </a:r>
+            <a:endParaRPr lang="en-US" dirty="0" smtClean="0"/>
           </a:p>
         </p:txBody>
       </p:sp>
@@ -4204,14 +4251,12 @@
         </p:nvSpPr>
         <p:spPr/>
         <p:txBody>
-          <a:bodyPr>
-            <a:normAutofit/>
-          </a:bodyPr>
+          <a:bodyPr/>
           <a:lstStyle/>
           <a:p>
             <a:r>
               <a:rPr lang="en-US" dirty="0" smtClean="0"/>
-              <a:t>Create first PDF</a:t>
+              <a:t>Sample codes</a:t>
             </a:r>
             <a:endParaRPr lang="en-US" dirty="0"/>
           </a:p>
@@ -4234,42 +4279,71 @@
           <a:p>
             <a:r>
               <a:rPr lang="en-US" dirty="0" smtClean="0"/>
-              <a:t>5 steps</a:t>
-            </a:r>
-          </a:p>
-          <a:p>
-            <a:r>
-              <a:rPr lang="en-US" dirty="0" smtClean="0">
+              <a:t>Download from</a:t>
+            </a:r>
+            <a:endParaRPr lang="en-US" dirty="0"/>
+          </a:p>
+          <a:p>
+            <a:pPr lvl="1"/>
+            <a:r>
+              <a:rPr lang="en-US" dirty="0">
+                <a:solidFill>
+                  <a:schemeClr val="accent6">
+                    <a:lumMod val="75000"/>
+                  </a:schemeClr>
+                </a:solidFill>
+                <a:hlinkClick r:id="rId2"/>
+              </a:rPr>
+              <a:t>https://github.com/RyanHuangPMA/iTextTutorial.git</a:t>
+            </a:r>
+            <a:r>
+              <a:rPr lang="en-US" dirty="0">
                 <a:solidFill>
                   <a:schemeClr val="accent6">
                     <a:lumMod val="75000"/>
                   </a:schemeClr>
                 </a:solidFill>
               </a:rPr>
-              <a:t>T01_HelloWord.java</a:t>
-            </a:r>
-            <a:endParaRPr lang="en-US" dirty="0">
-              <a:solidFill>
-                <a:schemeClr val="accent6">
-                  <a:lumMod val="75000"/>
-                </a:schemeClr>
-              </a:solidFill>
-            </a:endParaRPr>
+              <a:t> </a:t>
+            </a:r>
+          </a:p>
+          <a:p>
+            <a:r>
+              <a:rPr lang="en-US" dirty="0" smtClean="0"/>
+              <a:t>Import using “Existing Projects into Workspace”</a:t>
+            </a:r>
+          </a:p>
+          <a:p>
+            <a:r>
+              <a:rPr lang="en-US" dirty="0" smtClean="0"/>
+              <a:t>Add JDK and </a:t>
+            </a:r>
+            <a:r>
+              <a:rPr lang="en-US" dirty="0" err="1" smtClean="0"/>
+              <a:t>iText</a:t>
+            </a:r>
+            <a:r>
+              <a:rPr lang="en-US" dirty="0" smtClean="0"/>
+              <a:t> library into </a:t>
+            </a:r>
+            <a:r>
+              <a:rPr lang="en-US" smtClean="0"/>
+              <a:t>project build path</a:t>
+            </a:r>
+            <a:endParaRPr lang="en-US" dirty="0"/>
           </a:p>
         </p:txBody>
       </p:sp>
     </p:spTree>
+    <p:extLst>
+      <p:ext uri="{BB962C8B-B14F-4D97-AF65-F5344CB8AC3E}">
+        <p14:creationId xmlns:p14="http://schemas.microsoft.com/office/powerpoint/2010/main" val="1178052885"/>
+      </p:ext>
+    </p:extLst>
   </p:cSld>
   <p:clrMapOvr>
     <a:masterClrMapping/>
   </p:clrMapOvr>
-  <p:timing>
-    <p:tnLst>
-      <p:par>
-        <p:cTn id="1" dur="indefinite" restart="never" nodeType="tmRoot"/>
-      </p:par>
-    </p:tnLst>
-  </p:timing>
 </p:sld>
 </file>
 
@@ -4302,45 +4376,40 @@
         </p:nvSpPr>
         <p:spPr/>
         <p:txBody>
-          <a:bodyPr/>
-          <a:lstStyle/>
-          <a:p>
-            <a:r>
-              <a:rPr lang="en-US" dirty="0" smtClean="0"/>
-              <a:t>Chunk, Phrase, Paragraph</a:t>
-            </a:r>
-            <a:endParaRPr lang="en-US" dirty="0"/>
-          </a:p>
-        </p:txBody>
-      </p:sp>
-      <p:sp>
-        <p:nvSpPr>
-          <p:cNvPr id="3" name="Content Placeholder 2"/>
-          <p:cNvSpPr>
-            <a:spLocks noGrp="1"/>
-          </p:cNvSpPr>
-          <p:nvPr>
-            <p:ph idx="1"/>
-          </p:nvPr>
-        </p:nvSpPr>
-        <p:spPr/>
-        <p:txBody>
           <a:bodyPr>
             <a:normAutofit/>
           </a:bodyPr>
           <a:lstStyle/>
           <a:p>
             <a:r>
-              <a:rPr lang="en-US" b="1" dirty="0" smtClean="0"/>
-              <a:t>Paragraph</a:t>
-            </a:r>
-            <a:r>
               <a:rPr lang="en-US" dirty="0" smtClean="0"/>
-              <a:t>: a Phrase with extra properties and a newline</a:t>
-            </a:r>
-          </a:p>
-          <a:p>
-            <a:pPr lvl="1"/>
+              <a:t>Create first PDF</a:t>
+            </a:r>
+            <a:endParaRPr lang="en-US" dirty="0"/>
+          </a:p>
+        </p:txBody>
+      </p:sp>
+      <p:sp>
+        <p:nvSpPr>
+          <p:cNvPr id="3" name="Content Placeholder 2"/>
+          <p:cNvSpPr>
+            <a:spLocks noGrp="1"/>
+          </p:cNvSpPr>
+          <p:nvPr>
+            <p:ph idx="1"/>
+          </p:nvPr>
+        </p:nvSpPr>
+        <p:spPr/>
+        <p:txBody>
+          <a:bodyPr/>
+          <a:lstStyle/>
+          <a:p>
+            <a:r>
+              <a:rPr lang="en-US" dirty="0" smtClean="0"/>
+              <a:t>5 steps</a:t>
+            </a:r>
+          </a:p>
+          <a:p>
             <a:r>
               <a:rPr lang="en-US" dirty="0" smtClean="0">
                 <a:solidFill>
@@ -4349,68 +4418,15 @@
                   </a:schemeClr>
                 </a:solidFill>
               </a:rPr>
-              <a:t>T02_Paragraph.java</a:t>
-            </a:r>
-          </a:p>
-          <a:p>
-            <a:r>
-              <a:rPr lang="en-US" b="1" dirty="0" smtClean="0"/>
-              <a:t>Phrase</a:t>
-            </a:r>
-            <a:r>
-              <a:rPr lang="en-US" dirty="0" smtClean="0"/>
-              <a:t>: a list of Chunks with leading</a:t>
-            </a:r>
-          </a:p>
-          <a:p>
-            <a:pPr lvl="1"/>
-            <a:r>
-              <a:rPr lang="en-US" dirty="0" smtClean="0">
-                <a:solidFill>
-                  <a:schemeClr val="accent6">
-                    <a:lumMod val="75000"/>
-                  </a:schemeClr>
-                </a:solidFill>
-              </a:rPr>
-              <a:t>T03_Phrase.java</a:t>
-            </a:r>
-            <a:endParaRPr lang="en-US" b="1" dirty="0" smtClean="0">
+              <a:t>T01_HelloWord.java</a:t>
+            </a:r>
+            <a:endParaRPr lang="en-US" dirty="0">
               <a:solidFill>
                 <a:schemeClr val="accent6">
                   <a:lumMod val="75000"/>
                 </a:schemeClr>
               </a:solidFill>
             </a:endParaRPr>
-          </a:p>
-          <a:p>
-            <a:r>
-              <a:rPr lang="en-US" b="1" dirty="0" smtClean="0"/>
-              <a:t>Chunk</a:t>
-            </a:r>
-            <a:r>
-              <a:rPr lang="en-US" dirty="0" smtClean="0"/>
-              <a:t>: a String, a Font, and some attributes</a:t>
-            </a:r>
-          </a:p>
-          <a:p>
-            <a:pPr lvl="1"/>
-            <a:r>
-              <a:rPr lang="en-US" dirty="0" smtClean="0"/>
-              <a:t>is the smallest significant piece of text that can be added to a Document</a:t>
-            </a:r>
-          </a:p>
-          <a:p>
-            <a:pPr lvl="1"/>
-            <a:r>
-              <a:rPr lang="en-US" dirty="0" smtClean="0">
-                <a:solidFill>
-                  <a:schemeClr val="accent6">
-                    <a:lumMod val="75000"/>
-                  </a:schemeClr>
-                </a:solidFill>
-              </a:rPr>
-              <a:t>T04_Chunk.java</a:t>
-            </a:r>
           </a:p>
         </p:txBody>
       </p:sp>
@@ -4463,7 +4479,7 @@
           <a:p>
             <a:r>
               <a:rPr lang="en-US" dirty="0" smtClean="0"/>
-              <a:t>Image</a:t>
+              <a:t>Chunk, Phrase, Paragraph</a:t>
             </a:r>
             <a:endParaRPr lang="en-US" dirty="0"/>
           </a:p>
@@ -4481,12 +4497,18 @@
         </p:nvSpPr>
         <p:spPr/>
         <p:txBody>
-          <a:bodyPr/>
+          <a:bodyPr>
+            <a:normAutofit/>
+          </a:bodyPr>
           <a:lstStyle/>
           <a:p>
             <a:r>
+              <a:rPr lang="en-US" b="1" dirty="0" smtClean="0"/>
+              <a:t>Paragraph</a:t>
+            </a:r>
+            <a:r>
               <a:rPr lang="en-US" dirty="0" smtClean="0"/>
-              <a:t>Add Image into Document directly</a:t>
+              <a:t>: a Phrase with extra properties and a newline</a:t>
             </a:r>
           </a:p>
           <a:p>
@@ -4499,13 +4521,17 @@
                   </a:schemeClr>
                 </a:solidFill>
               </a:rPr>
-              <a:t>T05_Image.java</a:t>
-            </a:r>
-          </a:p>
-          <a:p>
+              <a:t>T02_Paragraph.java</a:t>
+            </a:r>
+          </a:p>
+          <a:p>
+            <a:r>
+              <a:rPr lang="en-US" b="1" dirty="0" smtClean="0"/>
+              <a:t>Phrase</a:t>
+            </a:r>
             <a:r>
               <a:rPr lang="en-US" dirty="0" smtClean="0"/>
-              <a:t>Add Image into Chunk first</a:t>
+              <a:t>: a list of Chunks with leading</a:t>
             </a:r>
           </a:p>
           <a:p>
@@ -4518,11 +4544,45 @@
                   </a:schemeClr>
                 </a:solidFill>
               </a:rPr>
-              <a:t>T06_Image.java</a:t>
-            </a:r>
-          </a:p>
-          <a:p>
-            <a:endParaRPr lang="en-US" dirty="0"/>
+              <a:t>T03_Phrase.java</a:t>
+            </a:r>
+            <a:endParaRPr lang="en-US" b="1" dirty="0" smtClean="0">
+              <a:solidFill>
+                <a:schemeClr val="accent6">
+                  <a:lumMod val="75000"/>
+                </a:schemeClr>
+              </a:solidFill>
+            </a:endParaRPr>
+          </a:p>
+          <a:p>
+            <a:r>
+              <a:rPr lang="en-US" b="1" dirty="0" smtClean="0"/>
+              <a:t>Chunk</a:t>
+            </a:r>
+            <a:r>
+              <a:rPr lang="en-US" dirty="0" smtClean="0"/>
+              <a:t>: a String, a Font, and some attributes</a:t>
+            </a:r>
+          </a:p>
+          <a:p>
+            <a:pPr lvl="1"/>
+            <a:r>
+              <a:rPr lang="en-US" dirty="0" smtClean="0"/>
+              <a:t>is the smallest significant piece of text that can be added to a Document</a:t>
+            </a:r>
+          </a:p>
+          <a:p>
+            <a:pPr lvl="1"/>
+            <a:r>
+              <a:rPr lang="en-US" dirty="0" smtClean="0">
+                <a:solidFill>
+                  <a:schemeClr val="accent6">
+                    <a:lumMod val="75000"/>
+                  </a:schemeClr>
+                </a:solidFill>
+              </a:rPr>
+              <a:t>T04_Chunk.java</a:t>
+            </a:r>
           </a:p>
         </p:txBody>
       </p:sp>
@@ -4575,7 +4635,7 @@
           <a:p>
             <a:r>
               <a:rPr lang="en-US" dirty="0" smtClean="0"/>
-              <a:t>Table</a:t>
+              <a:t>Image</a:t>
             </a:r>
             <a:endParaRPr lang="en-US" dirty="0"/>
           </a:p>
@@ -4597,18 +4657,9 @@
           <a:lstStyle/>
           <a:p>
             <a:r>
-              <a:rPr lang="en-US" b="1" dirty="0" err="1" smtClean="0"/>
-              <a:t>PdfPTable</a:t>
-            </a:r>
-            <a:r>
               <a:rPr lang="en-US" dirty="0" smtClean="0"/>
-              <a:t> and </a:t>
-            </a:r>
-            <a:r>
-              <a:rPr lang="en-US" b="1" dirty="0" err="1" smtClean="0"/>
-              <a:t>PdfPCell</a:t>
-            </a:r>
-            <a:endParaRPr lang="en-US" b="1" dirty="0" smtClean="0"/>
+              <a:t>Add Image into Document directly</a:t>
+            </a:r>
           </a:p>
           <a:p>
             <a:pPr lvl="1"/>
@@ -4620,15 +4671,30 @@
                   </a:schemeClr>
                 </a:solidFill>
               </a:rPr>
-              <a:t>T07_Table.java</a:t>
-            </a:r>
-            <a:endParaRPr lang="en-US" dirty="0">
-              <a:solidFill>
-                <a:schemeClr val="accent6">
-                  <a:lumMod val="75000"/>
-                </a:schemeClr>
-              </a:solidFill>
-            </a:endParaRPr>
+              <a:t>T05_Image.java</a:t>
+            </a:r>
+          </a:p>
+          <a:p>
+            <a:r>
+              <a:rPr lang="en-US" dirty="0" smtClean="0"/>
+              <a:t>Add Image into Chunk first</a:t>
+            </a:r>
+          </a:p>
+          <a:p>
+            <a:pPr lvl="1"/>
+            <a:r>
+              <a:rPr lang="en-US" dirty="0" smtClean="0">
+                <a:solidFill>
+                  <a:schemeClr val="accent6">
+                    <a:lumMod val="75000"/>
+                  </a:schemeClr>
+                </a:solidFill>
+              </a:rPr>
+              <a:t>T06_Image.java</a:t>
+            </a:r>
+          </a:p>
+          <a:p>
+            <a:endParaRPr lang="en-US" dirty="0"/>
           </a:p>
         </p:txBody>
       </p:sp>
@@ -4681,7 +4747,7 @@
           <a:p>
             <a:r>
               <a:rPr lang="en-US" dirty="0" smtClean="0"/>
-              <a:t>Chapter &amp; Section</a:t>
+              <a:t>Table</a:t>
             </a:r>
             <a:endParaRPr lang="en-US" dirty="0"/>
           </a:p>
@@ -4703,9 +4769,18 @@
           <a:lstStyle/>
           <a:p>
             <a:r>
+              <a:rPr lang="en-US" b="1" dirty="0" err="1" smtClean="0"/>
+              <a:t>PdfPTable</a:t>
+            </a:r>
+            <a:r>
               <a:rPr lang="en-US" dirty="0" smtClean="0"/>
-              <a:t>Generate bookmarks automatically</a:t>
-            </a:r>
+              <a:t> and </a:t>
+            </a:r>
+            <a:r>
+              <a:rPr lang="en-US" b="1" dirty="0" err="1" smtClean="0"/>
+              <a:t>PdfPCell</a:t>
+            </a:r>
+            <a:endParaRPr lang="en-US" b="1" dirty="0" smtClean="0"/>
           </a:p>
           <a:p>
             <a:pPr lvl="1"/>
@@ -4717,7 +4792,7 @@
                   </a:schemeClr>
                 </a:solidFill>
               </a:rPr>
-              <a:t>T08_Chapter.java</a:t>
+              <a:t>T07_Table.java</a:t>
             </a:r>
             <a:endParaRPr lang="en-US" dirty="0">
               <a:solidFill>
@@ -4778,11 +4853,7 @@
           <a:p>
             <a:r>
               <a:rPr lang="en-US" dirty="0" smtClean="0"/>
-              <a:t>Generate PDF from a </a:t>
-            </a:r>
-            <a:r>
-              <a:rPr lang="en-US" dirty="0" err="1" smtClean="0"/>
-              <a:t>servlet</a:t>
+              <a:t>Chapter &amp; Section</a:t>
             </a:r>
             <a:endParaRPr lang="en-US" dirty="0"/>
           </a:p>
@@ -4805,43 +4876,11 @@
           <a:p>
             <a:r>
               <a:rPr lang="en-US" dirty="0" smtClean="0"/>
-              <a:t>use </a:t>
-            </a:r>
-            <a:r>
-              <a:rPr lang="en-US" b="1" dirty="0" err="1" smtClean="0"/>
-              <a:t>ByteArrayOutputStream</a:t>
-            </a:r>
-            <a:r>
-              <a:rPr lang="en-US" dirty="0" smtClean="0"/>
-              <a:t> first</a:t>
-            </a:r>
-          </a:p>
-          <a:p>
-            <a:r>
-              <a:rPr lang="en-US" dirty="0" smtClean="0"/>
-              <a:t>set Content Length</a:t>
-            </a:r>
-          </a:p>
-          <a:p>
-            <a:r>
-              <a:rPr lang="en-US" dirty="0" smtClean="0"/>
-              <a:t>write </a:t>
-            </a:r>
-            <a:r>
-              <a:rPr lang="en-US" b="1" dirty="0" err="1" smtClean="0"/>
-              <a:t>ByteArrayOutputStream</a:t>
-            </a:r>
-            <a:r>
-              <a:rPr lang="en-US" dirty="0" smtClean="0"/>
-              <a:t> to the </a:t>
-            </a:r>
-            <a:r>
-              <a:rPr lang="en-US" b="1" dirty="0" err="1" smtClean="0"/>
-              <a:t>ServletOutputStream</a:t>
-            </a:r>
-            <a:endParaRPr lang="en-US" b="1" dirty="0" smtClean="0"/>
-          </a:p>
-          <a:p>
+              <a:t>Generate bookmarks automatically</a:t>
+            </a:r>
+          </a:p>
+          <a:p>
+            <a:pPr lvl="1"/>
             <a:r>
               <a:rPr lang="en-US" dirty="0" smtClean="0">
                 <a:solidFill>
@@ -4850,9 +4889,9 @@
                   </a:schemeClr>
                 </a:solidFill>
               </a:rPr>
-              <a:t>T09_HelloServlet.java</a:t>
-            </a:r>
-            <a:endParaRPr lang="en-US" b="1" dirty="0">
+              <a:t>T08_Chapter.java</a:t>
+            </a:r>
+            <a:endParaRPr lang="en-US" dirty="0">
               <a:solidFill>
                 <a:schemeClr val="accent6">
                   <a:lumMod val="75000"/>
@@ -4910,8 +4949,12 @@
           <a:lstStyle/>
           <a:p>
             <a:r>
+              <a:rPr lang="en-US" dirty="0" smtClean="0"/>
+              <a:t>Generate PDF from a </a:t>
+            </a:r>
+            <a:r>
               <a:rPr lang="en-US" dirty="0" err="1" smtClean="0"/>
-              <a:t>PDFReader</a:t>
+              <a:t>servlet</a:t>
             </a:r>
             <a:endParaRPr lang="en-US" dirty="0"/>
           </a:p>
@@ -4934,11 +4977,43 @@
           <a:p>
             <a:r>
               <a:rPr lang="en-US" dirty="0" smtClean="0"/>
-              <a:t>Access a existing PDF</a:t>
-            </a:r>
-          </a:p>
-          <a:p>
-            <a:pPr lvl="1"/>
+              <a:t>use </a:t>
+            </a:r>
+            <a:r>
+              <a:rPr lang="en-US" b="1" dirty="0" err="1" smtClean="0"/>
+              <a:t>ByteArrayOutputStream</a:t>
+            </a:r>
+            <a:r>
+              <a:rPr lang="en-US" dirty="0" smtClean="0"/>
+              <a:t> first</a:t>
+            </a:r>
+          </a:p>
+          <a:p>
+            <a:r>
+              <a:rPr lang="en-US" dirty="0" smtClean="0"/>
+              <a:t>set Content Length</a:t>
+            </a:r>
+          </a:p>
+          <a:p>
+            <a:r>
+              <a:rPr lang="en-US" dirty="0" smtClean="0"/>
+              <a:t>write </a:t>
+            </a:r>
+            <a:r>
+              <a:rPr lang="en-US" b="1" dirty="0" err="1" smtClean="0"/>
+              <a:t>ByteArrayOutputStream</a:t>
+            </a:r>
+            <a:r>
+              <a:rPr lang="en-US" dirty="0" smtClean="0"/>
+              <a:t> to the </a:t>
+            </a:r>
+            <a:r>
+              <a:rPr lang="en-US" b="1" dirty="0" err="1" smtClean="0"/>
+              <a:t>ServletOutputStream</a:t>
+            </a:r>
+            <a:endParaRPr lang="en-US" b="1" dirty="0" smtClean="0"/>
+          </a:p>
+          <a:p>
             <a:r>
               <a:rPr lang="en-US" dirty="0" smtClean="0">
                 <a:solidFill>
@@ -4947,9 +5022,9 @@
                   </a:schemeClr>
                 </a:solidFill>
               </a:rPr>
-              <a:t>T10_AccessPDF.java</a:t>
-            </a:r>
-            <a:endParaRPr lang="en-US" dirty="0">
+              <a:t>T09_HelloServlet.java</a:t>
+            </a:r>
+            <a:endParaRPr lang="en-US" b="1" dirty="0">
               <a:solidFill>
                 <a:schemeClr val="accent6">
                   <a:lumMod val="75000"/>
